--- a/presentation/group12_presentation.pptx
+++ b/presentation/group12_presentation.pptx
@@ -284,7 +284,7 @@
           <a:p>
             <a:fld id="{718DA038-0E68-4D8A-959E-1F9C61579E4C}" type="datetimeFigureOut">
               <a:rPr lang="en-US" smtClean="0"/>
-              <a:t>7/15/2023</a:t>
+              <a:t>7/16/2023</a:t>
             </a:fld>
             <a:endParaRPr lang="en-US"/>
           </a:p>
@@ -482,7 +482,7 @@
           <a:p>
             <a:fld id="{718DA038-0E68-4D8A-959E-1F9C61579E4C}" type="datetimeFigureOut">
               <a:rPr lang="en-US" smtClean="0"/>
-              <a:t>7/15/2023</a:t>
+              <a:t>7/16/2023</a:t>
             </a:fld>
             <a:endParaRPr lang="en-US"/>
           </a:p>
@@ -690,7 +690,7 @@
           <a:p>
             <a:fld id="{718DA038-0E68-4D8A-959E-1F9C61579E4C}" type="datetimeFigureOut">
               <a:rPr lang="en-US" smtClean="0"/>
-              <a:t>7/15/2023</a:t>
+              <a:t>7/16/2023</a:t>
             </a:fld>
             <a:endParaRPr lang="en-US"/>
           </a:p>
@@ -888,7 +888,7 @@
           <a:p>
             <a:fld id="{718DA038-0E68-4D8A-959E-1F9C61579E4C}" type="datetimeFigureOut">
               <a:rPr lang="en-US" smtClean="0"/>
-              <a:t>7/15/2023</a:t>
+              <a:t>7/16/2023</a:t>
             </a:fld>
             <a:endParaRPr lang="en-US"/>
           </a:p>
@@ -1163,7 +1163,7 @@
           <a:p>
             <a:fld id="{718DA038-0E68-4D8A-959E-1F9C61579E4C}" type="datetimeFigureOut">
               <a:rPr lang="en-US" smtClean="0"/>
-              <a:t>7/15/2023</a:t>
+              <a:t>7/16/2023</a:t>
             </a:fld>
             <a:endParaRPr lang="en-US"/>
           </a:p>
@@ -1428,7 +1428,7 @@
           <a:p>
             <a:fld id="{718DA038-0E68-4D8A-959E-1F9C61579E4C}" type="datetimeFigureOut">
               <a:rPr lang="en-US" smtClean="0"/>
-              <a:t>7/15/2023</a:t>
+              <a:t>7/16/2023</a:t>
             </a:fld>
             <a:endParaRPr lang="en-US"/>
           </a:p>
@@ -1840,7 +1840,7 @@
           <a:p>
             <a:fld id="{718DA038-0E68-4D8A-959E-1F9C61579E4C}" type="datetimeFigureOut">
               <a:rPr lang="en-US" smtClean="0"/>
-              <a:t>7/15/2023</a:t>
+              <a:t>7/16/2023</a:t>
             </a:fld>
             <a:endParaRPr lang="en-US"/>
           </a:p>
@@ -1981,7 +1981,7 @@
           <a:p>
             <a:fld id="{718DA038-0E68-4D8A-959E-1F9C61579E4C}" type="datetimeFigureOut">
               <a:rPr lang="en-US" smtClean="0"/>
-              <a:t>7/15/2023</a:t>
+              <a:t>7/16/2023</a:t>
             </a:fld>
             <a:endParaRPr lang="en-US"/>
           </a:p>
@@ -2094,7 +2094,7 @@
           <a:p>
             <a:fld id="{718DA038-0E68-4D8A-959E-1F9C61579E4C}" type="datetimeFigureOut">
               <a:rPr lang="en-US" smtClean="0"/>
-              <a:t>7/15/2023</a:t>
+              <a:t>7/16/2023</a:t>
             </a:fld>
             <a:endParaRPr lang="en-US"/>
           </a:p>
@@ -2405,7 +2405,7 @@
           <a:p>
             <a:fld id="{718DA038-0E68-4D8A-959E-1F9C61579E4C}" type="datetimeFigureOut">
               <a:rPr lang="en-US" smtClean="0"/>
-              <a:t>7/15/2023</a:t>
+              <a:t>7/16/2023</a:t>
             </a:fld>
             <a:endParaRPr lang="en-US"/>
           </a:p>
@@ -2696,7 +2696,7 @@
           <a:p>
             <a:fld id="{718DA038-0E68-4D8A-959E-1F9C61579E4C}" type="datetimeFigureOut">
               <a:rPr lang="en-US" smtClean="0"/>
-              <a:t>7/15/2023</a:t>
+              <a:t>7/16/2023</a:t>
             </a:fld>
             <a:endParaRPr lang="en-US"/>
           </a:p>
@@ -2937,7 +2937,7 @@
           <a:p>
             <a:fld id="{718DA038-0E68-4D8A-959E-1F9C61579E4C}" type="datetimeFigureOut">
               <a:rPr lang="en-US" smtClean="0"/>
-              <a:t>7/15/2023</a:t>
+              <a:t>7/16/2023</a:t>
             </a:fld>
             <a:endParaRPr lang="en-US"/>
           </a:p>
@@ -7627,11 +7627,11 @@
       </p:sp>
       <p:pic>
         <p:nvPicPr>
-          <p:cNvPr id="2" name="Online Media 1" descr="Force Simulation - OOP Mini Project 20222 - Group 12">
+          <p:cNvPr id="3" name="Online Media 2" title="Force Simulation - OOP Mini-Project 20222 - Group 12">
             <a:hlinkClick r:id="" action="ppaction://media"/>
             <a:extLst>
               <a:ext uri="{FF2B5EF4-FFF2-40B4-BE49-F238E27FC236}">
-                <a16:creationId xmlns:a16="http://schemas.microsoft.com/office/drawing/2014/main" id="{8BDFB862-15F9-4729-A4F3-D2260EA77BE2}"/>
+                <a16:creationId xmlns:a16="http://schemas.microsoft.com/office/drawing/2014/main" id="{0D2B6503-FCF0-F4F4-D03A-D284406F654E}"/>
               </a:ext>
             </a:extLst>
           </p:cNvPr>
@@ -7650,8 +7650,8 @@
         </p:blipFill>
         <p:spPr>
           <a:xfrm>
-            <a:off x="1144956" y="1022688"/>
-            <a:ext cx="9902089" cy="5594680"/>
+            <a:off x="1166288" y="948328"/>
+            <a:ext cx="9859424" cy="5570575"/>
           </a:xfrm>
           <a:prstGeom prst="rect">
             <a:avLst/>
@@ -7698,7 +7698,7 @@
                                       <p:cBhvr>
                                         <p:cTn id="6" dur="1" fill="hold"/>
                                         <p:tgtEl>
-                                          <p:spTgt spid="2"/>
+                                          <p:spTgt spid="3"/>
                                         </p:tgtEl>
                                       </p:cBhvr>
                                     </p:cmd>
@@ -7736,7 +7736,7 @@
                   </p:stCondLst>
                 </p:cTn>
                 <p:tgtEl>
-                  <p:spTgt spid="2"/>
+                  <p:spTgt spid="3"/>
                 </p:tgtEl>
               </p:cMediaNode>
             </p:video>
@@ -7745,7 +7745,7 @@
                 <p:stCondLst>
                   <p:cond evt="onClick" delay="0">
                     <p:tgtEl>
-                      <p:spTgt spid="2"/>
+                      <p:spTgt spid="3"/>
                     </p:tgtEl>
                   </p:cond>
                 </p:stCondLst>
@@ -7775,7 +7775,7 @@
                                       <p:cBhvr>
                                         <p:cTn id="12" dur="1" fill="hold"/>
                                         <p:tgtEl>
-                                          <p:spTgt spid="2"/>
+                                          <p:spTgt spid="3"/>
                                         </p:tgtEl>
                                       </p:cBhvr>
                                     </p:cmd>
@@ -7793,7 +7793,7 @@
               <p:nextCondLst>
                 <p:cond evt="onClick" delay="0">
                   <p:tgtEl>
-                    <p:spTgt spid="2"/>
+                    <p:spTgt spid="3"/>
                   </p:tgtEl>
                 </p:cond>
               </p:nextCondLst>
@@ -11786,20 +11786,20 @@
 </file>
 
 <file path=customXml/item1.xml><?xml version="1.0" encoding="utf-8"?>
-<p:properties xmlns:p="http://schemas.microsoft.com/office/2006/metadata/properties" xmlns:xsi="http://www.w3.org/2001/XMLSchema-instance" xmlns:pc="http://schemas.microsoft.com/office/infopath/2007/PartnerControls">
-  <documentManagement>
-    <_activity xmlns="072ad8b3-593c-4ea2-bcf6-99214d072d24" xsi:nil="true"/>
-  </documentManagement>
-</p:properties>
-</file>
-
-<file path=customXml/item2.xml><?xml version="1.0" encoding="utf-8"?>
 <?mso-contentType ?>
 <FormTemplates xmlns="http://schemas.microsoft.com/sharepoint/v3/contenttype/forms">
   <Display>DocumentLibraryForm</Display>
   <Edit>DocumentLibraryForm</Edit>
   <New>DocumentLibraryForm</New>
 </FormTemplates>
+</file>
+
+<file path=customXml/item2.xml><?xml version="1.0" encoding="utf-8"?>
+<p:properties xmlns:p="http://schemas.microsoft.com/office/2006/metadata/properties" xmlns:xsi="http://www.w3.org/2001/XMLSchema-instance" xmlns:pc="http://schemas.microsoft.com/office/infopath/2007/PartnerControls">
+  <documentManagement>
+    <_activity xmlns="072ad8b3-593c-4ea2-bcf6-99214d072d24" xsi:nil="true"/>
+  </documentManagement>
+</p:properties>
 </file>
 
 <file path=customXml/item3.xml><?xml version="1.0" encoding="utf-8"?>
@@ -12010,6 +12010,14 @@
 </file>
 
 <file path=customXml/itemProps1.xml><?xml version="1.0" encoding="utf-8"?>
+<ds:datastoreItem xmlns:ds="http://schemas.openxmlformats.org/officeDocument/2006/customXml" ds:itemID="{1F528AE0-800C-4C3B-A80B-EE7017179878}">
+  <ds:schemaRefs>
+    <ds:schemaRef ds:uri="http://schemas.microsoft.com/sharepoint/v3/contenttype/forms"/>
+  </ds:schemaRefs>
+</ds:datastoreItem>
+</file>
+
+<file path=customXml/itemProps2.xml><?xml version="1.0" encoding="utf-8"?>
 <ds:datastoreItem xmlns:ds="http://schemas.openxmlformats.org/officeDocument/2006/customXml" ds:itemID="{05E4E285-ABA5-4134-99A7-973F7240939B}">
   <ds:schemaRefs>
     <ds:schemaRef ds:uri="http://schemas.microsoft.com/office/infopath/2007/PartnerControls"/>
@@ -12022,14 +12030,6 @@
     <ds:schemaRef ds:uri="http://purl.org/dc/elements/1.1/"/>
     <ds:schemaRef ds:uri="http://www.w3.org/XML/1998/namespace"/>
     <ds:schemaRef ds:uri="http://purl.org/dc/terms/"/>
-  </ds:schemaRefs>
-</ds:datastoreItem>
-</file>
-
-<file path=customXml/itemProps2.xml><?xml version="1.0" encoding="utf-8"?>
-<ds:datastoreItem xmlns:ds="http://schemas.openxmlformats.org/officeDocument/2006/customXml" ds:itemID="{1F528AE0-800C-4C3B-A80B-EE7017179878}">
-  <ds:schemaRefs>
-    <ds:schemaRef ds:uri="http://schemas.microsoft.com/sharepoint/v3/contenttype/forms"/>
   </ds:schemaRefs>
 </ds:datastoreItem>
 </file>
